--- a/CKDSurveillance/PPT/Q763.pptx
+++ b/CKDSurveillance/PPT/Q763.pptx
@@ -151,11 +151,11 @@
           <c:order val="0"/>
           <c:tx>
             <c:strRef>
-              <c:f>Sheet1!$B$1</c:f>
+              <c:f>Diabetes!$B$1</c:f>
               <c:strCache>
                 <c:ptCount val="1"/>
                 <c:pt idx="0">
-                  <c:v>Diabetes </c:v>
+                  <c:v>Diabetes</c:v>
                 </c:pt>
               </c:strCache>
             </c:strRef>
@@ -163,7 +163,7 @@
           <c:spPr>
             <a:ln w="44450" cap="rnd">
               <a:solidFill>
-                <a:srgbClr val="7030A0"/>
+                <a:schemeClr val="accent1"/>
               </a:solidFill>
               <a:round/>
             </a:ln>
@@ -174,11 +174,11 @@
             <c:size val="5"/>
             <c:spPr>
               <a:solidFill>
-                <a:srgbClr val="7030A0"/>
+                <a:schemeClr val="accent1"/>
               </a:solidFill>
               <a:ln w="44450">
                 <a:solidFill>
-                  <a:srgbClr val="7030A0"/>
+                  <a:schemeClr val="accent1"/>
                 </a:solidFill>
               </a:ln>
               <a:effectLst/>
@@ -186,7 +186,7 @@
           </c:marker>
           <c:cat>
             <c:strRef>
-              <c:f>Sheet1!$A$2:$A$6</c:f>
+              <c:f>Diabetes!$A$2:$A$6</c:f>
               <c:strCache>
                 <c:ptCount val="5"/>
                 <c:pt idx="0">
@@ -209,7 +209,7 @@
           </c:cat>
           <c:val>
             <c:numRef>
-              <c:f>Sheet1!$B$2:$B$6</c:f>
+              <c:f>Diabetes!$B$2:$B$6</c:f>
               <c:numCache>
                 <c:formatCode>0.0</c:formatCode>
                 <c:ptCount val="5"/>
@@ -226,7 +226,7 @@
                   <c:v>33.4</c:v>
                 </c:pt>
                 <c:pt idx="4">
-                  <c:v>37.1</c:v>
+                  <c:v>37</c:v>
                 </c:pt>
               </c:numCache>
             </c:numRef>
@@ -234,7 +234,7 @@
           <c:smooth val="0"/>
           <c:extLst>
             <c:ext xmlns:c16="http://schemas.microsoft.com/office/drawing/2014/chart" uri="{C3380CC4-5D6E-409C-BE32-E72D297353CC}">
-              <c16:uniqueId val="{00000000-0551-40CC-B4B2-9B85749FF185}"/>
+              <c16:uniqueId val="{00000000-AB96-418F-B3C3-DE950208FC65}"/>
             </c:ext>
           </c:extLst>
         </c:ser>
@@ -243,7 +243,7 @@
           <c:order val="1"/>
           <c:tx>
             <c:strRef>
-              <c:f>Sheet1!$C$1</c:f>
+              <c:f>Diabetes!$C$1</c:f>
               <c:strCache>
                 <c:ptCount val="1"/>
                 <c:pt idx="0">
@@ -255,7 +255,7 @@
           <c:spPr>
             <a:ln w="44450" cap="rnd">
               <a:solidFill>
-                <a:srgbClr val="008080"/>
+                <a:schemeClr val="accent2"/>
               </a:solidFill>
               <a:round/>
             </a:ln>
@@ -266,11 +266,11 @@
             <c:size val="5"/>
             <c:spPr>
               <a:solidFill>
-                <a:srgbClr val="008080"/>
+                <a:schemeClr val="accent2"/>
               </a:solidFill>
               <a:ln w="44450">
                 <a:solidFill>
-                  <a:srgbClr val="008080"/>
+                  <a:schemeClr val="accent2"/>
                 </a:solidFill>
               </a:ln>
               <a:effectLst/>
@@ -278,7 +278,7 @@
           </c:marker>
           <c:cat>
             <c:strRef>
-              <c:f>Sheet1!$A$2:$A$6</c:f>
+              <c:f>Diabetes!$A$2:$A$6</c:f>
               <c:strCache>
                 <c:ptCount val="5"/>
                 <c:pt idx="0">
@@ -301,7 +301,7 @@
           </c:cat>
           <c:val>
             <c:numRef>
-              <c:f>Sheet1!$C$2:$C$6</c:f>
+              <c:f>Diabetes!$C$2:$C$6</c:f>
               <c:numCache>
                 <c:formatCode>0.0</c:formatCode>
                 <c:ptCount val="5"/>
@@ -326,7 +326,7 @@
           <c:smooth val="0"/>
           <c:extLst>
             <c:ext xmlns:c16="http://schemas.microsoft.com/office/drawing/2014/chart" uri="{C3380CC4-5D6E-409C-BE32-E72D297353CC}">
-              <c16:uniqueId val="{00000001-0551-40CC-B4B2-9B85749FF185}"/>
+              <c16:uniqueId val="{00000001-AB96-418F-B3C3-DE950208FC65}"/>
             </c:ext>
           </c:extLst>
         </c:ser>
@@ -335,7 +335,7 @@
           <c:order val="2"/>
           <c:tx>
             <c:strRef>
-              <c:f>Sheet1!$D$1</c:f>
+              <c:f>Diabetes!$D$1</c:f>
               <c:strCache>
                 <c:ptCount val="1"/>
                 <c:pt idx="0">
@@ -369,32 +369,9 @@
               <a:effectLst/>
             </c:spPr>
           </c:marker>
-          <c:cat>
-            <c:strRef>
-              <c:f>Sheet1!$A$2:$A$6</c:f>
-              <c:strCache>
-                <c:ptCount val="5"/>
-                <c:pt idx="0">
-                  <c:v>2001–2004</c:v>
-                </c:pt>
-                <c:pt idx="1">
-                  <c:v>2005–2008</c:v>
-                </c:pt>
-                <c:pt idx="2">
-                  <c:v>2009–2012</c:v>
-                </c:pt>
-                <c:pt idx="3">
-                  <c:v>2013–2016</c:v>
-                </c:pt>
-                <c:pt idx="4">
-                  <c:v>2017–2020</c:v>
-                </c:pt>
-              </c:strCache>
-            </c:strRef>
-          </c:cat>
           <c:val>
             <c:numRef>
-              <c:f>Sheet1!$D$2:$D$6</c:f>
+              <c:f>Diabetes!$D$2:$D$6</c:f>
               <c:numCache>
                 <c:formatCode>0.0</c:formatCode>
                 <c:ptCount val="5"/>
@@ -419,7 +396,7 @@
           <c:smooth val="0"/>
           <c:extLst>
             <c:ext xmlns:c16="http://schemas.microsoft.com/office/drawing/2014/chart" uri="{C3380CC4-5D6E-409C-BE32-E72D297353CC}">
-              <c16:uniqueId val="{00000002-0551-40CC-B4B2-9B85749FF185}"/>
+              <c16:uniqueId val="{00000002-AB96-418F-B3C3-DE950208FC65}"/>
             </c:ext>
           </c:extLst>
         </c:ser>
@@ -433,11 +410,11 @@
         </c:dLbls>
         <c:marker val="1"/>
         <c:smooth val="0"/>
-        <c:axId val="24757568"/>
-        <c:axId val="24758400"/>
+        <c:axId val="969982479"/>
+        <c:axId val="969983311"/>
       </c:lineChart>
       <c:catAx>
-        <c:axId val="24757568"/>
+        <c:axId val="969982479"/>
         <c:scaling>
           <c:orientation val="minMax"/>
         </c:scaling>
@@ -467,7 +444,7 @@
             <a:pPr>
               <a:defRPr sz="2400" b="0" i="0" u="none" strike="noStrike" kern="1200" baseline="0">
                 <a:solidFill>
-                  <a:schemeClr val="tx1"/>
+                  <a:sysClr val="windowText" lastClr="000000"/>
                 </a:solidFill>
                 <a:latin typeface="+mn-lt"/>
                 <a:ea typeface="+mn-ea"/>
@@ -477,7 +454,7 @@
             <a:endParaRPr lang="en-US"/>
           </a:p>
         </c:txPr>
-        <c:crossAx val="24758400"/>
+        <c:crossAx val="969983311"/>
         <c:crosses val="autoZero"/>
         <c:auto val="1"/>
         <c:lblAlgn val="ctr"/>
@@ -485,7 +462,7 @@
         <c:noMultiLvlLbl val="0"/>
       </c:catAx>
       <c:valAx>
-        <c:axId val="24758400"/>
+        <c:axId val="969983311"/>
         <c:scaling>
           <c:orientation val="minMax"/>
         </c:scaling>
@@ -512,9 +489,9 @@
               <a:lstStyle/>
               <a:p>
                 <a:pPr>
-                  <a:defRPr sz="2800" b="0" i="0" u="none" strike="noStrike" kern="1200" baseline="0">
+                  <a:defRPr sz="2400" b="0" i="0" u="none" strike="noStrike" kern="1200" baseline="0">
                     <a:solidFill>
-                      <a:schemeClr val="tx1"/>
+                      <a:sysClr val="windowText" lastClr="000000"/>
                     </a:solidFill>
                     <a:latin typeface="+mn-lt"/>
                     <a:ea typeface="+mn-ea"/>
@@ -522,24 +499,24 @@
                   </a:defRPr>
                 </a:pPr>
                 <a:r>
-                  <a:rPr lang="en-US" sz="2800">
+                  <a:rPr lang="en-US" sz="2400">
                     <a:solidFill>
-                      <a:schemeClr val="tx1"/>
+                      <a:sysClr val="windowText" lastClr="000000"/>
                     </a:solidFill>
                   </a:rPr>
                   <a:t>CKD</a:t>
                 </a:r>
                 <a:r>
-                  <a:rPr lang="en-US" sz="2800" baseline="0">
+                  <a:rPr lang="en-US" sz="2400" baseline="0">
                     <a:solidFill>
-                      <a:schemeClr val="tx1"/>
+                      <a:sysClr val="windowText" lastClr="000000"/>
                     </a:solidFill>
                   </a:rPr>
                   <a:t> (%)</a:t>
                 </a:r>
-                <a:endParaRPr lang="en-US" sz="2800">
+                <a:endParaRPr lang="en-US" sz="2400">
                   <a:solidFill>
-                    <a:schemeClr val="tx1"/>
+                    <a:sysClr val="windowText" lastClr="000000"/>
                   </a:solidFill>
                 </a:endParaRPr>
               </a:p>
@@ -550,7 +527,7 @@
               <c:xMode val="edge"/>
               <c:yMode val="edge"/>
               <c:x val="0"/>
-              <c:y val="0.27742123271858082"/>
+              <c:y val="0.26947049289365416"/>
             </c:manualLayout>
           </c:layout>
           <c:overlay val="0"/>
@@ -566,9 +543,9 @@
             <a:lstStyle/>
             <a:p>
               <a:pPr>
-                <a:defRPr sz="2800" b="0" i="0" u="none" strike="noStrike" kern="1200" baseline="0">
+                <a:defRPr sz="2400" b="0" i="0" u="none" strike="noStrike" kern="1200" baseline="0">
                   <a:solidFill>
-                    <a:schemeClr val="tx1"/>
+                    <a:sysClr val="windowText" lastClr="000000"/>
                   </a:solidFill>
                   <a:latin typeface="+mn-lt"/>
                   <a:ea typeface="+mn-ea"/>
@@ -595,9 +572,9 @@
           <a:lstStyle/>
           <a:p>
             <a:pPr>
-              <a:defRPr sz="2400" b="0" i="0" u="none" strike="noStrike" kern="1200" baseline="0">
+              <a:defRPr sz="2250" b="0" i="0" u="none" strike="noStrike" kern="1200" baseline="0">
                 <a:solidFill>
-                  <a:schemeClr val="tx1"/>
+                  <a:sysClr val="windowText" lastClr="000000"/>
                 </a:solidFill>
                 <a:latin typeface="+mn-lt"/>
                 <a:ea typeface="+mn-ea"/>
@@ -607,7 +584,7 @@
             <a:endParaRPr lang="en-US"/>
           </a:p>
         </c:txPr>
-        <c:crossAx val="24757568"/>
+        <c:crossAx val="969982479"/>
         <c:crosses val="autoZero"/>
         <c:crossBetween val="between"/>
       </c:valAx>
@@ -621,6 +598,16 @@
     </c:plotArea>
     <c:legend>
       <c:legendPos val="b"/>
+      <c:layout>
+        <c:manualLayout>
+          <c:xMode val="edge"/>
+          <c:yMode val="edge"/>
+          <c:x val="0.28366847112860893"/>
+          <c:y val="0.91349392583748357"/>
+          <c:w val="0.43266305774278213"/>
+          <c:h val="8.6506074162516405E-2"/>
+        </c:manualLayout>
+      </c:layout>
       <c:overlay val="0"/>
       <c:spPr>
         <a:noFill/>
@@ -634,9 +621,9 @@
         <a:lstStyle/>
         <a:p>
           <a:pPr>
-            <a:defRPr sz="2400" b="0" i="0" u="none" strike="noStrike" kern="1200" baseline="0">
+            <a:defRPr sz="2200" b="0" i="0" u="none" strike="noStrike" kern="1200" baseline="0">
               <a:solidFill>
-                <a:schemeClr val="tx1"/>
+                <a:sysClr val="windowText" lastClr="000000"/>
               </a:solidFill>
               <a:latin typeface="+mn-lt"/>
               <a:ea typeface="+mn-ea"/>
@@ -659,9 +646,12 @@
     <c:showDLblsOverMax val="0"/>
   </c:chart>
   <c:spPr>
-    <a:noFill/>
-    <a:ln>
+    <a:solidFill>
+      <a:schemeClr val="bg1"/>
+    </a:solidFill>
+    <a:ln w="9525" cap="flat" cmpd="sng" algn="ctr">
       <a:noFill/>
+      <a:round/>
     </a:ln>
     <a:effectLst/>
   </c:spPr>
@@ -706,7 +696,7 @@
           <c:order val="0"/>
           <c:tx>
             <c:strRef>
-              <c:f>Sheet1!$B$28</c:f>
+              <c:f>Diabetes!$B$25</c:f>
               <c:strCache>
                 <c:ptCount val="1"/>
                 <c:pt idx="0">
@@ -718,7 +708,7 @@
           <c:spPr>
             <a:ln w="44450" cap="rnd">
               <a:solidFill>
-                <a:srgbClr val="7030A0"/>
+                <a:schemeClr val="accent1"/>
               </a:solidFill>
               <a:round/>
             </a:ln>
@@ -729,11 +719,11 @@
             <c:size val="5"/>
             <c:spPr>
               <a:solidFill>
-                <a:srgbClr val="7030A0"/>
+                <a:schemeClr val="accent1"/>
               </a:solidFill>
               <a:ln w="44450">
                 <a:solidFill>
-                  <a:srgbClr val="7030A0"/>
+                  <a:schemeClr val="accent1"/>
                 </a:solidFill>
               </a:ln>
               <a:effectLst/>
@@ -741,7 +731,7 @@
           </c:marker>
           <c:cat>
             <c:strRef>
-              <c:f>Sheet1!$A$29:$A$33</c:f>
+              <c:f>Diabetes!$A$26:$A$30</c:f>
               <c:strCache>
                 <c:ptCount val="5"/>
                 <c:pt idx="0">
@@ -764,7 +754,7 @@
           </c:cat>
           <c:val>
             <c:numRef>
-              <c:f>Sheet1!$B$29:$B$33</c:f>
+              <c:f>Diabetes!$B$26:$B$30</c:f>
               <c:numCache>
                 <c:formatCode>0.0</c:formatCode>
                 <c:ptCount val="5"/>
@@ -781,7 +771,7 @@
                   <c:v>27.2</c:v>
                 </c:pt>
                 <c:pt idx="4">
-                  <c:v>32.5</c:v>
+                  <c:v>32.700000000000003</c:v>
                 </c:pt>
               </c:numCache>
             </c:numRef>
@@ -789,7 +779,7 @@
           <c:smooth val="0"/>
           <c:extLst>
             <c:ext xmlns:c16="http://schemas.microsoft.com/office/drawing/2014/chart" uri="{C3380CC4-5D6E-409C-BE32-E72D297353CC}">
-              <c16:uniqueId val="{00000000-6960-4D76-80A7-D8BC49392DA5}"/>
+              <c16:uniqueId val="{00000000-9DC1-4F33-AA78-7FA64E74BD7B}"/>
             </c:ext>
           </c:extLst>
         </c:ser>
@@ -798,7 +788,7 @@
           <c:order val="1"/>
           <c:tx>
             <c:strRef>
-              <c:f>Sheet1!$C$28</c:f>
+              <c:f>Diabetes!$C$25</c:f>
               <c:strCache>
                 <c:ptCount val="1"/>
                 <c:pt idx="0">
@@ -810,7 +800,7 @@
           <c:spPr>
             <a:ln w="44450" cap="rnd">
               <a:solidFill>
-                <a:srgbClr val="008080"/>
+                <a:schemeClr val="accent2"/>
               </a:solidFill>
               <a:round/>
             </a:ln>
@@ -821,11 +811,11 @@
             <c:size val="5"/>
             <c:spPr>
               <a:solidFill>
-                <a:srgbClr val="008080"/>
+                <a:schemeClr val="accent2"/>
               </a:solidFill>
               <a:ln w="44450">
                 <a:solidFill>
-                  <a:srgbClr val="008080"/>
+                  <a:schemeClr val="accent2"/>
                 </a:solidFill>
               </a:ln>
               <a:effectLst/>
@@ -833,7 +823,7 @@
           </c:marker>
           <c:cat>
             <c:strRef>
-              <c:f>Sheet1!$A$29:$A$33</c:f>
+              <c:f>Diabetes!$A$26:$A$30</c:f>
               <c:strCache>
                 <c:ptCount val="5"/>
                 <c:pt idx="0">
@@ -856,7 +846,7 @@
           </c:cat>
           <c:val>
             <c:numRef>
-              <c:f>Sheet1!$C$29:$C$33</c:f>
+              <c:f>Diabetes!$C$26:$C$30</c:f>
               <c:numCache>
                 <c:formatCode>0.0</c:formatCode>
                 <c:ptCount val="5"/>
@@ -873,7 +863,7 @@
                   <c:v>11.6</c:v>
                 </c:pt>
                 <c:pt idx="4">
-                  <c:v>10.5</c:v>
+                  <c:v>10.4</c:v>
                 </c:pt>
               </c:numCache>
             </c:numRef>
@@ -881,7 +871,7 @@
           <c:smooth val="0"/>
           <c:extLst>
             <c:ext xmlns:c16="http://schemas.microsoft.com/office/drawing/2014/chart" uri="{C3380CC4-5D6E-409C-BE32-E72D297353CC}">
-              <c16:uniqueId val="{00000001-6960-4D76-80A7-D8BC49392DA5}"/>
+              <c16:uniqueId val="{00000001-9DC1-4F33-AA78-7FA64E74BD7B}"/>
             </c:ext>
           </c:extLst>
         </c:ser>
@@ -890,7 +880,7 @@
           <c:order val="2"/>
           <c:tx>
             <c:strRef>
-              <c:f>Sheet1!$D$28</c:f>
+              <c:f>Diabetes!$D$25</c:f>
               <c:strCache>
                 <c:ptCount val="1"/>
                 <c:pt idx="0">
@@ -924,34 +914,11 @@
               <a:effectLst/>
             </c:spPr>
           </c:marker>
-          <c:cat>
-            <c:strRef>
-              <c:f>Sheet1!$A$29:$A$33</c:f>
-              <c:strCache>
-                <c:ptCount val="5"/>
-                <c:pt idx="0">
-                  <c:v>2001–2004</c:v>
-                </c:pt>
-                <c:pt idx="1">
-                  <c:v>2005–2008</c:v>
-                </c:pt>
-                <c:pt idx="2">
-                  <c:v>2009–2012</c:v>
-                </c:pt>
-                <c:pt idx="3">
-                  <c:v>2013–2016</c:v>
-                </c:pt>
-                <c:pt idx="4">
-                  <c:v>2017–2020</c:v>
-                </c:pt>
-              </c:strCache>
-            </c:strRef>
-          </c:cat>
           <c:val>
             <c:numRef>
-              <c:f>Sheet1!$D$29:$D$33</c:f>
+              <c:f>Diabetes!$D$26:$D$30</c:f>
               <c:numCache>
-                <c:formatCode>General</c:formatCode>
+                <c:formatCode>0.0</c:formatCode>
                 <c:ptCount val="5"/>
                 <c:pt idx="0">
                   <c:v>13.9</c:v>
@@ -966,7 +933,7 @@
                   <c:v>13.7</c:v>
                 </c:pt>
                 <c:pt idx="4">
-                  <c:v>13.4</c:v>
+                  <c:v>13.3</c:v>
                 </c:pt>
               </c:numCache>
             </c:numRef>
@@ -974,7 +941,7 @@
           <c:smooth val="0"/>
           <c:extLst>
             <c:ext xmlns:c16="http://schemas.microsoft.com/office/drawing/2014/chart" uri="{C3380CC4-5D6E-409C-BE32-E72D297353CC}">
-              <c16:uniqueId val="{00000002-6960-4D76-80A7-D8BC49392DA5}"/>
+              <c16:uniqueId val="{00000002-9DC1-4F33-AA78-7FA64E74BD7B}"/>
             </c:ext>
           </c:extLst>
         </c:ser>
@@ -988,11 +955,11 @@
         </c:dLbls>
         <c:marker val="1"/>
         <c:smooth val="0"/>
-        <c:axId val="1904375296"/>
-        <c:axId val="1904373216"/>
+        <c:axId val="1063733552"/>
+        <c:axId val="1063730640"/>
       </c:lineChart>
       <c:catAx>
-        <c:axId val="1904375296"/>
+        <c:axId val="1063733552"/>
         <c:scaling>
           <c:orientation val="minMax"/>
         </c:scaling>
@@ -1022,7 +989,7 @@
             <a:pPr>
               <a:defRPr sz="2400" b="0" i="0" u="none" strike="noStrike" kern="1200" baseline="0">
                 <a:solidFill>
-                  <a:schemeClr val="tx1"/>
+                  <a:sysClr val="windowText" lastClr="000000"/>
                 </a:solidFill>
                 <a:latin typeface="+mn-lt"/>
                 <a:ea typeface="+mn-ea"/>
@@ -1032,7 +999,7 @@
             <a:endParaRPr lang="en-US"/>
           </a:p>
         </c:txPr>
-        <c:crossAx val="1904373216"/>
+        <c:crossAx val="1063730640"/>
         <c:crosses val="autoZero"/>
         <c:auto val="1"/>
         <c:lblAlgn val="ctr"/>
@@ -1040,10 +1007,10 @@
         <c:noMultiLvlLbl val="0"/>
       </c:catAx>
       <c:valAx>
-        <c:axId val="1904373216"/>
+        <c:axId val="1063730640"/>
         <c:scaling>
           <c:orientation val="minMax"/>
-          <c:max val="40"/>
+          <c:max val="45"/>
         </c:scaling>
         <c:delete val="0"/>
         <c:axPos val="l"/>
@@ -1068,9 +1035,9 @@
               <a:lstStyle/>
               <a:p>
                 <a:pPr>
-                  <a:defRPr sz="2800" b="0" i="0" u="none" strike="noStrike" kern="1200" baseline="0">
+                  <a:defRPr sz="2400" b="0" i="0" u="none" strike="noStrike" kern="1200" baseline="0">
                     <a:solidFill>
-                      <a:schemeClr val="tx1"/>
+                      <a:sysClr val="windowText" lastClr="000000"/>
                     </a:solidFill>
                     <a:latin typeface="+mn-lt"/>
                     <a:ea typeface="+mn-ea"/>
@@ -1078,24 +1045,24 @@
                   </a:defRPr>
                 </a:pPr>
                 <a:r>
-                  <a:rPr lang="en-US" sz="2800">
+                  <a:rPr lang="en-US" sz="2400">
                     <a:solidFill>
-                      <a:schemeClr val="tx1"/>
+                      <a:sysClr val="windowText" lastClr="000000"/>
                     </a:solidFill>
                   </a:rPr>
                   <a:t>CKD</a:t>
                 </a:r>
                 <a:r>
-                  <a:rPr lang="en-US" sz="2800" baseline="0">
+                  <a:rPr lang="en-US" sz="2400" baseline="0">
                     <a:solidFill>
-                      <a:schemeClr val="tx1"/>
+                      <a:sysClr val="windowText" lastClr="000000"/>
                     </a:solidFill>
                   </a:rPr>
                   <a:t> (%)</a:t>
                 </a:r>
-                <a:endParaRPr lang="en-US" sz="2800">
+                <a:endParaRPr lang="en-US" sz="2400">
                   <a:solidFill>
-                    <a:schemeClr val="tx1"/>
+                    <a:sysClr val="windowText" lastClr="000000"/>
                   </a:solidFill>
                 </a:endParaRPr>
               </a:p>
@@ -1106,7 +1073,7 @@
               <c:xMode val="edge"/>
               <c:yMode val="edge"/>
               <c:x val="0"/>
-              <c:y val="0.27264991542333294"/>
+              <c:y val="0.26527340256004361"/>
             </c:manualLayout>
           </c:layout>
           <c:overlay val="0"/>
@@ -1122,9 +1089,9 @@
             <a:lstStyle/>
             <a:p>
               <a:pPr>
-                <a:defRPr sz="2800" b="0" i="0" u="none" strike="noStrike" kern="1200" baseline="0">
+                <a:defRPr sz="2400" b="0" i="0" u="none" strike="noStrike" kern="1200" baseline="0">
                   <a:solidFill>
-                    <a:schemeClr val="tx1"/>
+                    <a:sysClr val="windowText" lastClr="000000"/>
                   </a:solidFill>
                   <a:latin typeface="+mn-lt"/>
                   <a:ea typeface="+mn-ea"/>
@@ -1151,9 +1118,9 @@
           <a:lstStyle/>
           <a:p>
             <a:pPr>
-              <a:defRPr sz="2400" b="0" i="0" u="none" strike="noStrike" kern="1200" baseline="0">
+              <a:defRPr sz="2250" b="0" i="0" u="none" strike="noStrike" kern="1200" baseline="0">
                 <a:solidFill>
-                  <a:schemeClr val="tx1"/>
+                  <a:sysClr val="windowText" lastClr="000000"/>
                 </a:solidFill>
                 <a:latin typeface="+mn-lt"/>
                 <a:ea typeface="+mn-ea"/>
@@ -1163,7 +1130,7 @@
             <a:endParaRPr lang="en-US"/>
           </a:p>
         </c:txPr>
-        <c:crossAx val="1904375296"/>
+        <c:crossAx val="1063733552"/>
         <c:crosses val="autoZero"/>
         <c:crossBetween val="between"/>
       </c:valAx>
@@ -1181,10 +1148,10 @@
         <c:manualLayout>
           <c:xMode val="edge"/>
           <c:yMode val="edge"/>
-          <c:x val="0.25584642561191734"/>
-          <c:y val="0.88796420885853999"/>
-          <c:w val="0.48830714877616532"/>
-          <c:h val="9.5641128142149048E-2"/>
+          <c:x val="0.28366847112860893"/>
+          <c:y val="0.90722761915523442"/>
+          <c:w val="0.43266305774278213"/>
+          <c:h val="8.7407715613604706E-2"/>
         </c:manualLayout>
       </c:layout>
       <c:overlay val="0"/>
@@ -1200,9 +1167,9 @@
         <a:lstStyle/>
         <a:p>
           <a:pPr>
-            <a:defRPr sz="2400" b="0" i="0" u="none" strike="noStrike" kern="1200" baseline="0">
+            <a:defRPr sz="2200" b="0" i="0" u="none" strike="noStrike" kern="1200" baseline="0">
               <a:solidFill>
-                <a:schemeClr val="tx1"/>
+                <a:sysClr val="windowText" lastClr="000000"/>
               </a:solidFill>
               <a:latin typeface="+mn-lt"/>
               <a:ea typeface="+mn-ea"/>
@@ -1225,9 +1192,12 @@
     <c:showDLblsOverMax val="0"/>
   </c:chart>
   <c:spPr>
-    <a:noFill/>
-    <a:ln>
+    <a:solidFill>
+      <a:schemeClr val="bg1"/>
+    </a:solidFill>
+    <a:ln w="9525" cap="flat" cmpd="sng" algn="ctr">
       <a:noFill/>
+      <a:round/>
     </a:ln>
     <a:effectLst/>
   </c:spPr>
@@ -2462,7 +2432,7 @@
           <a:p>
             <a:fld id="{FEC8F623-83FF-45D9-9165-1796CF17F145}" type="datetimeFigureOut">
               <a:rPr lang="en-US" smtClean="0"/>
-              <a:t>10/19/2023</a:t>
+              <a:t>7/22/2024</a:t>
             </a:fld>
             <a:endParaRPr lang="en-US"/>
           </a:p>
@@ -2630,7 +2600,7 @@
           <a:p>
             <a:fld id="{FEC8F623-83FF-45D9-9165-1796CF17F145}" type="datetimeFigureOut">
               <a:rPr lang="en-US" smtClean="0"/>
-              <a:t>10/19/2023</a:t>
+              <a:t>7/22/2024</a:t>
             </a:fld>
             <a:endParaRPr lang="en-US"/>
           </a:p>
@@ -2808,7 +2778,7 @@
           <a:p>
             <a:fld id="{FEC8F623-83FF-45D9-9165-1796CF17F145}" type="datetimeFigureOut">
               <a:rPr lang="en-US" smtClean="0"/>
-              <a:t>10/19/2023</a:t>
+              <a:t>7/22/2024</a:t>
             </a:fld>
             <a:endParaRPr lang="en-US"/>
           </a:p>
@@ -2976,7 +2946,7 @@
           <a:p>
             <a:fld id="{FEC8F623-83FF-45D9-9165-1796CF17F145}" type="datetimeFigureOut">
               <a:rPr lang="en-US" smtClean="0"/>
-              <a:t>10/19/2023</a:t>
+              <a:t>7/22/2024</a:t>
             </a:fld>
             <a:endParaRPr lang="en-US"/>
           </a:p>
@@ -3256,7 +3226,7 @@
           <a:p>
             <a:fld id="{FEC8F623-83FF-45D9-9165-1796CF17F145}" type="datetimeFigureOut">
               <a:rPr lang="en-US" smtClean="0"/>
-              <a:t>10/19/2023</a:t>
+              <a:t>7/22/2024</a:t>
             </a:fld>
             <a:endParaRPr lang="en-US"/>
           </a:p>
@@ -3509,7 +3479,7 @@
           <a:p>
             <a:fld id="{FEC8F623-83FF-45D9-9165-1796CF17F145}" type="datetimeFigureOut">
               <a:rPr lang="en-US" smtClean="0"/>
-              <a:t>10/19/2023</a:t>
+              <a:t>7/22/2024</a:t>
             </a:fld>
             <a:endParaRPr lang="en-US"/>
           </a:p>
@@ -3897,7 +3867,7 @@
           <a:p>
             <a:fld id="{FEC8F623-83FF-45D9-9165-1796CF17F145}" type="datetimeFigureOut">
               <a:rPr lang="en-US" smtClean="0"/>
-              <a:t>10/19/2023</a:t>
+              <a:t>7/22/2024</a:t>
             </a:fld>
             <a:endParaRPr lang="en-US"/>
           </a:p>
@@ -4038,7 +4008,7 @@
           <a:p>
             <a:fld id="{FEC8F623-83FF-45D9-9165-1796CF17F145}" type="datetimeFigureOut">
               <a:rPr lang="en-US" smtClean="0"/>
-              <a:t>10/19/2023</a:t>
+              <a:t>7/22/2024</a:t>
             </a:fld>
             <a:endParaRPr lang="en-US"/>
           </a:p>
@@ -4133,7 +4103,7 @@
           <a:p>
             <a:fld id="{FEC8F623-83FF-45D9-9165-1796CF17F145}" type="datetimeFigureOut">
               <a:rPr lang="en-US" smtClean="0"/>
-              <a:t>10/19/2023</a:t>
+              <a:t>7/22/2024</a:t>
             </a:fld>
             <a:endParaRPr lang="en-US"/>
           </a:p>
@@ -4408,7 +4378,7 @@
           <a:p>
             <a:fld id="{FEC8F623-83FF-45D9-9165-1796CF17F145}" type="datetimeFigureOut">
               <a:rPr lang="en-US" smtClean="0"/>
-              <a:t>10/19/2023</a:t>
+              <a:t>7/22/2024</a:t>
             </a:fld>
             <a:endParaRPr lang="en-US"/>
           </a:p>
@@ -4660,7 +4630,7 @@
           <a:p>
             <a:fld id="{FEC8F623-83FF-45D9-9165-1796CF17F145}" type="datetimeFigureOut">
               <a:rPr lang="en-US" smtClean="0"/>
-              <a:t>10/19/2023</a:t>
+              <a:t>7/22/2024</a:t>
             </a:fld>
             <a:endParaRPr lang="en-US"/>
           </a:p>
@@ -4871,7 +4841,7 @@
           <a:p>
             <a:fld id="{FEC8F623-83FF-45D9-9165-1796CF17F145}" type="datetimeFigureOut">
               <a:rPr lang="en-US" smtClean="0"/>
-              <a:t>10/19/2023</a:t>
+              <a:t>7/22/2024</a:t>
             </a:fld>
             <a:endParaRPr lang="en-US"/>
           </a:p>
@@ -5364,8 +5334,8 @@
         </p:nvSpPr>
         <p:spPr>
           <a:xfrm>
-            <a:off x="995855" y="3967520"/>
-            <a:ext cx="10200289" cy="1754326"/>
+            <a:off x="780904" y="3913119"/>
+            <a:ext cx="10630187" cy="2031325"/>
           </a:xfrm>
           <a:prstGeom prst="rect">
             <a:avLst/>
@@ -5387,7 +5357,7 @@
                 <a:effectLst/>
                 <a:latin typeface="Open Sans" panose="020B0606030504020204" pitchFamily="34" charset="0"/>
               </a:rPr>
-              <a:t>Crude prevalence of chronic kidney disease (CKD) among adults with diabetes was over three times as high as that among adults without diabetes (37.1% vs. 10.1%, 2017−March 2020). Age-standardized trends were consistent with the crude trends.</a:t>
+              <a:t>Crude prevalence of chronic kidney disease (CKD) among adults with diabetes was over three times as high as that among adults without diabetes (37.0% vs. 10.1%, 2017−March 2020). Age-standardized trends were consistent with the crude trends. Age-standardized estimates were standardized to the 2010 U.S. Census population for adults.</a:t>
             </a:r>
             <a:endParaRPr lang="en-US" b="1" dirty="0">
               <a:solidFill>
@@ -5479,8 +5449,20 @@
                     <a:lumOff val="35000"/>
                   </a:schemeClr>
                 </a:solidFill>
+                <a:hlinkClick r:id="rId3"/>
               </a:rPr>
               <a:t>https://nccd.cdc.gov/CKD/detail.aspx?Qnum=Q763</a:t>
+            </a:r>
+            <a:r>
+              <a:rPr lang="en-US" dirty="0">
+                <a:solidFill>
+                  <a:schemeClr val="tx1">
+                    <a:lumMod val="65000"/>
+                    <a:lumOff val="35000"/>
+                  </a:schemeClr>
+                </a:solidFill>
+              </a:rPr>
+              <a:t> </a:t>
             </a:r>
           </a:p>
         </p:txBody>
@@ -5538,11 +5520,7 @@
             <a:pPr algn="ctr"/>
             <a:r>
               <a:rPr lang="en-US" sz="4400" b="1" dirty="0"/>
-              <a:t>Trends in Prevalence of CKD among U.S. Adults </a:t>
-            </a:r>
-            <a:r>
-              <a:rPr lang="en-US" sz="4400" b="1"/>
-              <a:t>with Diabetes</a:t>
+              <a:t>Crude Trends in Prevalence of CKD among U.S. Adults with Diabetes</a:t>
             </a:r>
             <a:endParaRPr lang="en-US" b="1" dirty="0"/>
           </a:p>
@@ -5550,27 +5528,25 @@
       </p:sp>
       <p:graphicFrame>
         <p:nvGraphicFramePr>
-          <p:cNvPr id="5" name="Chart 4">
+          <p:cNvPr id="4" name="Chart 3">
             <a:extLst>
               <a:ext uri="{FF2B5EF4-FFF2-40B4-BE49-F238E27FC236}">
-                <a16:creationId xmlns:a16="http://schemas.microsoft.com/office/drawing/2014/main" id="{AD569813-3CA6-444B-B0E4-0EA6DC4FA603}"/>
+                <a16:creationId xmlns:a16="http://schemas.microsoft.com/office/drawing/2014/main" id="{7DDBABBF-2AB7-4275-BC8C-8C9DFAF4DCFB}"/>
               </a:ext>
             </a:extLst>
           </p:cNvPr>
-          <p:cNvGraphicFramePr>
-            <a:graphicFrameLocks/>
-          </p:cNvGraphicFramePr>
+          <p:cNvGraphicFramePr/>
           <p:nvPr>
             <p:extLst>
               <p:ext uri="{D42A27DB-BD31-4B8C-83A1-F6EECF244321}">
-                <p14:modId xmlns:p14="http://schemas.microsoft.com/office/powerpoint/2010/main" val="4191788466"/>
+                <p14:modId xmlns:p14="http://schemas.microsoft.com/office/powerpoint/2010/main" val="3151603135"/>
               </p:ext>
             </p:extLst>
           </p:nvPr>
         </p:nvGraphicFramePr>
         <p:xfrm>
-          <a:off x="384313" y="1540911"/>
-          <a:ext cx="11423373" cy="4634602"/>
+          <a:off x="0" y="1417983"/>
+          <a:ext cx="12192000" cy="4784034"/>
         </p:xfrm>
         <a:graphic>
           <a:graphicData uri="http://schemas.openxmlformats.org/drawingml/2006/chart">
@@ -5631,13 +5607,15 @@
           </a:xfrm>
         </p:spPr>
         <p:txBody>
-          <a:bodyPr/>
+          <a:bodyPr>
+            <a:normAutofit/>
+          </a:bodyPr>
           <a:lstStyle/>
           <a:p>
             <a:pPr algn="ctr"/>
             <a:r>
               <a:rPr lang="en-US" sz="4400" b="1" dirty="0"/>
-              <a:t>Trends in Prevalence of CKD among U.S. Adults with Diabetes, Age-Standardized</a:t>
+              <a:t>Age-Standardized Trends in Prevalence of CKD among U.S. Adults with Diabetes</a:t>
             </a:r>
             <a:endParaRPr lang="en-US" b="1" dirty="0"/>
           </a:p>
@@ -5645,27 +5623,25 @@
       </p:sp>
       <p:graphicFrame>
         <p:nvGraphicFramePr>
-          <p:cNvPr id="5" name="Chart 4">
+          <p:cNvPr id="6" name="Chart 5">
             <a:extLst>
               <a:ext uri="{FF2B5EF4-FFF2-40B4-BE49-F238E27FC236}">
-                <a16:creationId xmlns:a16="http://schemas.microsoft.com/office/drawing/2014/main" id="{5FBC00B4-C686-4538-BFD2-1222644612CE}"/>
+                <a16:creationId xmlns:a16="http://schemas.microsoft.com/office/drawing/2014/main" id="{3F55F350-C9F3-42C2-9972-71BFE1C08CC1}"/>
               </a:ext>
             </a:extLst>
           </p:cNvPr>
-          <p:cNvGraphicFramePr>
-            <a:graphicFrameLocks/>
-          </p:cNvGraphicFramePr>
+          <p:cNvGraphicFramePr/>
           <p:nvPr>
             <p:extLst>
               <p:ext uri="{D42A27DB-BD31-4B8C-83A1-F6EECF244321}">
-                <p14:modId xmlns:p14="http://schemas.microsoft.com/office/powerpoint/2010/main" val="1035026387"/>
+                <p14:modId xmlns:p14="http://schemas.microsoft.com/office/powerpoint/2010/main" val="2362165891"/>
               </p:ext>
             </p:extLst>
           </p:nvPr>
         </p:nvGraphicFramePr>
         <p:xfrm>
-          <a:off x="337930" y="1540911"/>
-          <a:ext cx="11516139" cy="4647854"/>
+          <a:off x="0" y="1444487"/>
+          <a:ext cx="12192000" cy="4734685"/>
         </p:xfrm>
         <a:graphic>
           <a:graphicData uri="http://schemas.openxmlformats.org/drawingml/2006/chart">
